--- a/.lessons/4 Servers/2 Apache vs Nginx/1.pptx
+++ b/.lessons/4 Servers/2 Apache vs Nginx/1.pptx
@@ -299,7 +299,7 @@
           <a:p>
             <a:fld id="{AD6CDC28-10E2-4CDE-A5FF-6E49B37A1343}" type="datetimeFigureOut">
               <a:rPr lang="en-US" smtClean="0"/>
-              <a:t>10/11/2025</a:t>
+              <a:t>10/12/2025</a:t>
             </a:fld>
             <a:endParaRPr lang="en-US"/>
           </a:p>
@@ -497,7 +497,7 @@
           <a:p>
             <a:fld id="{AD6CDC28-10E2-4CDE-A5FF-6E49B37A1343}" type="datetimeFigureOut">
               <a:rPr lang="en-US" smtClean="0"/>
-              <a:t>10/11/2025</a:t>
+              <a:t>10/12/2025</a:t>
             </a:fld>
             <a:endParaRPr lang="en-US"/>
           </a:p>
@@ -705,7 +705,7 @@
           <a:p>
             <a:fld id="{AD6CDC28-10E2-4CDE-A5FF-6E49B37A1343}" type="datetimeFigureOut">
               <a:rPr lang="en-US" smtClean="0"/>
-              <a:t>10/11/2025</a:t>
+              <a:t>10/12/2025</a:t>
             </a:fld>
             <a:endParaRPr lang="en-US"/>
           </a:p>
@@ -903,7 +903,7 @@
           <a:p>
             <a:fld id="{AD6CDC28-10E2-4CDE-A5FF-6E49B37A1343}" type="datetimeFigureOut">
               <a:rPr lang="en-US" smtClean="0"/>
-              <a:t>10/11/2025</a:t>
+              <a:t>10/12/2025</a:t>
             </a:fld>
             <a:endParaRPr lang="en-US"/>
           </a:p>
@@ -1178,7 +1178,7 @@
           <a:p>
             <a:fld id="{AD6CDC28-10E2-4CDE-A5FF-6E49B37A1343}" type="datetimeFigureOut">
               <a:rPr lang="en-US" smtClean="0"/>
-              <a:t>10/11/2025</a:t>
+              <a:t>10/12/2025</a:t>
             </a:fld>
             <a:endParaRPr lang="en-US"/>
           </a:p>
@@ -1443,7 +1443,7 @@
           <a:p>
             <a:fld id="{AD6CDC28-10E2-4CDE-A5FF-6E49B37A1343}" type="datetimeFigureOut">
               <a:rPr lang="en-US" smtClean="0"/>
-              <a:t>10/11/2025</a:t>
+              <a:t>10/12/2025</a:t>
             </a:fld>
             <a:endParaRPr lang="en-US"/>
           </a:p>
@@ -1855,7 +1855,7 @@
           <a:p>
             <a:fld id="{AD6CDC28-10E2-4CDE-A5FF-6E49B37A1343}" type="datetimeFigureOut">
               <a:rPr lang="en-US" smtClean="0"/>
-              <a:t>10/11/2025</a:t>
+              <a:t>10/12/2025</a:t>
             </a:fld>
             <a:endParaRPr lang="en-US"/>
           </a:p>
@@ -1996,7 +1996,7 @@
           <a:p>
             <a:fld id="{AD6CDC28-10E2-4CDE-A5FF-6E49B37A1343}" type="datetimeFigureOut">
               <a:rPr lang="en-US" smtClean="0"/>
-              <a:t>10/11/2025</a:t>
+              <a:t>10/12/2025</a:t>
             </a:fld>
             <a:endParaRPr lang="en-US"/>
           </a:p>
@@ -2109,7 +2109,7 @@
           <a:p>
             <a:fld id="{AD6CDC28-10E2-4CDE-A5FF-6E49B37A1343}" type="datetimeFigureOut">
               <a:rPr lang="en-US" smtClean="0"/>
-              <a:t>10/11/2025</a:t>
+              <a:t>10/12/2025</a:t>
             </a:fld>
             <a:endParaRPr lang="en-US"/>
           </a:p>
@@ -2420,7 +2420,7 @@
           <a:p>
             <a:fld id="{AD6CDC28-10E2-4CDE-A5FF-6E49B37A1343}" type="datetimeFigureOut">
               <a:rPr lang="en-US" smtClean="0"/>
-              <a:t>10/11/2025</a:t>
+              <a:t>10/12/2025</a:t>
             </a:fld>
             <a:endParaRPr lang="en-US"/>
           </a:p>
@@ -2708,7 +2708,7 @@
           <a:p>
             <a:fld id="{AD6CDC28-10E2-4CDE-A5FF-6E49B37A1343}" type="datetimeFigureOut">
               <a:rPr lang="en-US" smtClean="0"/>
-              <a:t>10/11/2025</a:t>
+              <a:t>10/12/2025</a:t>
             </a:fld>
             <a:endParaRPr lang="en-US"/>
           </a:p>
@@ -2949,7 +2949,7 @@
           <a:p>
             <a:fld id="{AD6CDC28-10E2-4CDE-A5FF-6E49B37A1343}" type="datetimeFigureOut">
               <a:rPr lang="en-US" smtClean="0"/>
-              <a:t>10/11/2025</a:t>
+              <a:t>10/12/2025</a:t>
             </a:fld>
             <a:endParaRPr lang="en-US"/>
           </a:p>
@@ -19078,7 +19078,7 @@
         <p:spPr>
           <a:xfrm>
             <a:off x="203200" y="244826"/>
-            <a:ext cx="11822545" cy="369332"/>
+            <a:ext cx="11822545" cy="3354765"/>
           </a:xfrm>
           <a:prstGeom prst="rect">
             <a:avLst/>
@@ -19091,16 +19091,866 @@
           </a:bodyPr>
           <a:lstStyle/>
           <a:p>
-            <a:r>
-              <a:rPr lang="en-US">
-                <a:latin typeface="-apple-system"/>
+            <a:pPr algn="ctr"/>
+            <a:r>
+              <a:rPr lang="en-US" sz="3200" b="1">
+                <a:solidFill>
+                  <a:srgbClr val="FF0000"/>
+                </a:solidFill>
               </a:rPr>
+              <a:t>Round-Robin nədir?</a:t>
+            </a:r>
+          </a:p>
+          <a:p>
+            <a:r>
+              <a:rPr lang="en-US" b="1"/>
+              <a:t>Round-Robin</a:t>
+            </a:r>
+            <a:r>
+              <a:rPr lang="en-US"/>
+              <a:t> (sözbəsöz: “dairəvi növbəlilik”) — </a:t>
+            </a:r>
+            <a:r>
+              <a:rPr lang="en-US" b="1"/>
+              <a:t>bərabər paylanma prinsipi ilə</a:t>
+            </a:r>
+            <a:r>
+              <a:rPr lang="en-US"/>
+              <a:t> ardıcıl şəkildə və </a:t>
+            </a:r>
+            <a:r>
+              <a:rPr lang="en-US" b="1"/>
+              <a:t>dairəvi dövr</a:t>
+            </a:r>
+            <a:r>
+              <a:rPr lang="en-US"/>
+              <a:t> üzrə resursların, tapşırıqların və ya trafikin bölüşdürülməsi üsuludur.</a:t>
+            </a:r>
+          </a:p>
+          <a:p>
+            <a:endParaRPr lang="en-US"/>
+          </a:p>
+          <a:p>
+            <a:r>
+              <a:rPr lang="en-US"/>
+              <a:t>Başqa sözlə: Hər bir iştirakçı (server, proses, istifadəçi və s.) öz növbəsində xidmət alır və növbə sonuna keçir. Bu modeldə heç kim </a:t>
+            </a:r>
+            <a:r>
+              <a:rPr lang="en-US" b="1"/>
+              <a:t>ardıcıl</a:t>
+            </a:r>
+            <a:r>
+              <a:rPr lang="en-US"/>
+              <a:t> iki dəfə seçilmir — hər kəs növbə ilə pay alır.</a:t>
+            </a:r>
+          </a:p>
+          <a:p>
+            <a:endParaRPr lang="en-US"/>
+          </a:p>
+          <a:p>
+            <a:endParaRPr lang="en-US"/>
+          </a:p>
+          <a:p>
+            <a:r>
+              <a:rPr lang="en-US"/>
+              <a:t>DevOps və Server Mühitində Round-Robin -nin </a:t>
+            </a:r>
+            <a:r>
+              <a:rPr lang="az-Latn-AZ"/>
+              <a:t>ə</a:t>
+            </a:r>
+            <a:r>
+              <a:rPr lang="en-US"/>
+              <a:t>n çox istifadə yeri: </a:t>
+            </a:r>
+            <a:r>
+              <a:rPr lang="en-US" b="1"/>
+              <a:t>Load Balancer (yük tarazlayıcı) sistemlərdə</a:t>
+            </a:r>
+            <a:r>
+              <a:rPr lang="en-US"/>
               <a:t>.</a:t>
             </a:r>
-            <a:endParaRPr lang="en-US"/>
+            <a:endParaRPr lang="az-Latn-AZ"/>
+          </a:p>
+          <a:p>
+            <a:endParaRPr lang="az-Latn-AZ"/>
+          </a:p>
+          <a:p>
+            <a:r>
+              <a:rPr lang="en-US"/>
+              <a:t>Məsələn, bir web tətbiqiniz var və 3 serverdə yerləşir:</a:t>
+            </a:r>
           </a:p>
         </p:txBody>
       </p:sp>
+      <p:graphicFrame>
+        <p:nvGraphicFramePr>
+          <p:cNvPr id="2" name="Table 1">
+            <a:extLst>
+              <a:ext uri="{FF2B5EF4-FFF2-40B4-BE49-F238E27FC236}">
+                <a16:creationId xmlns:a16="http://schemas.microsoft.com/office/drawing/2014/main" id="{5DAE74C5-B274-15B1-ADD9-E64D33533676}"/>
+              </a:ext>
+            </a:extLst>
+          </p:cNvPr>
+          <p:cNvGraphicFramePr>
+            <a:graphicFrameLocks noGrp="1"/>
+          </p:cNvGraphicFramePr>
+          <p:nvPr>
+            <p:extLst>
+              <p:ext uri="{D42A27DB-BD31-4B8C-83A1-F6EECF244321}">
+                <p14:modId xmlns:p14="http://schemas.microsoft.com/office/powerpoint/2010/main" val="2908814875"/>
+              </p:ext>
+            </p:extLst>
+          </p:nvPr>
+        </p:nvGraphicFramePr>
+        <p:xfrm>
+          <a:off x="203200" y="3814720"/>
+          <a:ext cx="10515600" cy="1463040"/>
+        </p:xfrm>
+        <a:graphic>
+          <a:graphicData uri="http://schemas.openxmlformats.org/drawingml/2006/table">
+            <a:tbl>
+              <a:tblPr/>
+              <a:tblGrid>
+                <a:gridCol w="3505200">
+                  <a:extLst>
+                    <a:ext uri="{9D8B030D-6E8A-4147-A177-3AD203B41FA5}">
+                      <a16:colId xmlns:a16="http://schemas.microsoft.com/office/drawing/2014/main" val="3213777793"/>
+                    </a:ext>
+                  </a:extLst>
+                </a:gridCol>
+                <a:gridCol w="3505200">
+                  <a:extLst>
+                    <a:ext uri="{9D8B030D-6E8A-4147-A177-3AD203B41FA5}">
+                      <a16:colId xmlns:a16="http://schemas.microsoft.com/office/drawing/2014/main" val="352210065"/>
+                    </a:ext>
+                  </a:extLst>
+                </a:gridCol>
+                <a:gridCol w="3505200">
+                  <a:extLst>
+                    <a:ext uri="{9D8B030D-6E8A-4147-A177-3AD203B41FA5}">
+                      <a16:colId xmlns:a16="http://schemas.microsoft.com/office/drawing/2014/main" val="2491453504"/>
+                    </a:ext>
+                  </a:extLst>
+                </a:gridCol>
+              </a:tblGrid>
+              <a:tr h="0">
+                <a:tc>
+                  <a:txBody>
+                    <a:bodyPr/>
+                    <a:lstStyle/>
+                    <a:p>
+                      <a:pPr algn="l">
+                        <a:buNone/>
+                      </a:pPr>
+                      <a:r>
+                        <a:rPr lang="en-US" sz="1800" b="1"/>
+                        <a:t>Server</a:t>
+                      </a:r>
+                    </a:p>
+                  </a:txBody>
+                  <a:tcPr anchor="ctr">
+                    <a:lnL w="12700" cap="flat" cmpd="sng" algn="ctr">
+                      <a:solidFill>
+                        <a:schemeClr val="tx1"/>
+                      </a:solidFill>
+                      <a:prstDash val="solid"/>
+                      <a:round/>
+                      <a:headEnd type="none" w="med" len="med"/>
+                      <a:tailEnd type="none" w="med" len="med"/>
+                    </a:lnL>
+                    <a:lnR w="12700" cap="flat" cmpd="sng" algn="ctr">
+                      <a:solidFill>
+                        <a:schemeClr val="tx1"/>
+                      </a:solidFill>
+                      <a:prstDash val="solid"/>
+                      <a:round/>
+                      <a:headEnd type="none" w="med" len="med"/>
+                      <a:tailEnd type="none" w="med" len="med"/>
+                    </a:lnR>
+                    <a:lnT w="12700" cap="flat" cmpd="sng" algn="ctr">
+                      <a:solidFill>
+                        <a:schemeClr val="tx1"/>
+                      </a:solidFill>
+                      <a:prstDash val="solid"/>
+                      <a:round/>
+                      <a:headEnd type="none" w="med" len="med"/>
+                      <a:tailEnd type="none" w="med" len="med"/>
+                    </a:lnT>
+                    <a:lnB w="12700" cap="flat" cmpd="sng" algn="ctr">
+                      <a:solidFill>
+                        <a:schemeClr val="tx1"/>
+                      </a:solidFill>
+                      <a:prstDash val="solid"/>
+                      <a:round/>
+                      <a:headEnd type="none" w="med" len="med"/>
+                      <a:tailEnd type="none" w="med" len="med"/>
+                    </a:lnB>
+                    <a:solidFill>
+                      <a:schemeClr val="accent2"/>
+                    </a:solidFill>
+                  </a:tcPr>
+                </a:tc>
+                <a:tc>
+                  <a:txBody>
+                    <a:bodyPr/>
+                    <a:lstStyle/>
+                    <a:p>
+                      <a:pPr algn="l">
+                        <a:buNone/>
+                      </a:pPr>
+                      <a:r>
+                        <a:rPr lang="en-US" sz="1800" b="1"/>
+                        <a:t>IP</a:t>
+                      </a:r>
+                    </a:p>
+                  </a:txBody>
+                  <a:tcPr anchor="ctr">
+                    <a:lnL w="12700" cap="flat" cmpd="sng" algn="ctr">
+                      <a:solidFill>
+                        <a:schemeClr val="tx1"/>
+                      </a:solidFill>
+                      <a:prstDash val="solid"/>
+                      <a:round/>
+                      <a:headEnd type="none" w="med" len="med"/>
+                      <a:tailEnd type="none" w="med" len="med"/>
+                    </a:lnL>
+                    <a:lnR w="12700" cap="flat" cmpd="sng" algn="ctr">
+                      <a:solidFill>
+                        <a:schemeClr val="tx1"/>
+                      </a:solidFill>
+                      <a:prstDash val="solid"/>
+                      <a:round/>
+                      <a:headEnd type="none" w="med" len="med"/>
+                      <a:tailEnd type="none" w="med" len="med"/>
+                    </a:lnR>
+                    <a:lnT w="12700" cap="flat" cmpd="sng" algn="ctr">
+                      <a:solidFill>
+                        <a:schemeClr val="tx1"/>
+                      </a:solidFill>
+                      <a:prstDash val="solid"/>
+                      <a:round/>
+                      <a:headEnd type="none" w="med" len="med"/>
+                      <a:tailEnd type="none" w="med" len="med"/>
+                    </a:lnT>
+                    <a:lnB w="12700" cap="flat" cmpd="sng" algn="ctr">
+                      <a:solidFill>
+                        <a:schemeClr val="tx1"/>
+                      </a:solidFill>
+                      <a:prstDash val="solid"/>
+                      <a:round/>
+                      <a:headEnd type="none" w="med" len="med"/>
+                      <a:tailEnd type="none" w="med" len="med"/>
+                    </a:lnB>
+                    <a:solidFill>
+                      <a:schemeClr val="accent2"/>
+                    </a:solidFill>
+                  </a:tcPr>
+                </a:tc>
+                <a:tc>
+                  <a:txBody>
+                    <a:bodyPr/>
+                    <a:lstStyle/>
+                    <a:p>
+                      <a:pPr algn="l">
+                        <a:buNone/>
+                      </a:pPr>
+                      <a:r>
+                        <a:rPr lang="en-US" sz="1800" b="1"/>
+                        <a:t>Rol</a:t>
+                      </a:r>
+                    </a:p>
+                  </a:txBody>
+                  <a:tcPr anchor="ctr">
+                    <a:lnL w="12700" cap="flat" cmpd="sng" algn="ctr">
+                      <a:solidFill>
+                        <a:schemeClr val="tx1"/>
+                      </a:solidFill>
+                      <a:prstDash val="solid"/>
+                      <a:round/>
+                      <a:headEnd type="none" w="med" len="med"/>
+                      <a:tailEnd type="none" w="med" len="med"/>
+                    </a:lnL>
+                    <a:lnR w="12700" cap="flat" cmpd="sng" algn="ctr">
+                      <a:solidFill>
+                        <a:schemeClr val="tx1"/>
+                      </a:solidFill>
+                      <a:prstDash val="solid"/>
+                      <a:round/>
+                      <a:headEnd type="none" w="med" len="med"/>
+                      <a:tailEnd type="none" w="med" len="med"/>
+                    </a:lnR>
+                    <a:lnT w="12700" cap="flat" cmpd="sng" algn="ctr">
+                      <a:solidFill>
+                        <a:schemeClr val="tx1"/>
+                      </a:solidFill>
+                      <a:prstDash val="solid"/>
+                      <a:round/>
+                      <a:headEnd type="none" w="med" len="med"/>
+                      <a:tailEnd type="none" w="med" len="med"/>
+                    </a:lnT>
+                    <a:lnB w="12700" cap="flat" cmpd="sng" algn="ctr">
+                      <a:solidFill>
+                        <a:schemeClr val="tx1"/>
+                      </a:solidFill>
+                      <a:prstDash val="solid"/>
+                      <a:round/>
+                      <a:headEnd type="none" w="med" len="med"/>
+                      <a:tailEnd type="none" w="med" len="med"/>
+                    </a:lnB>
+                    <a:solidFill>
+                      <a:schemeClr val="accent2"/>
+                    </a:solidFill>
+                  </a:tcPr>
+                </a:tc>
+                <a:extLst>
+                  <a:ext uri="{0D108BD9-81ED-4DB2-BD59-A6C34878D82A}">
+                    <a16:rowId xmlns:a16="http://schemas.microsoft.com/office/drawing/2014/main" val="3850777188"/>
+                  </a:ext>
+                </a:extLst>
+              </a:tr>
+              <a:tr h="0">
+                <a:tc>
+                  <a:txBody>
+                    <a:bodyPr/>
+                    <a:lstStyle/>
+                    <a:p>
+                      <a:pPr algn="l">
+                        <a:buNone/>
+                      </a:pPr>
+                      <a:r>
+                        <a:rPr lang="en-US"/>
+                        <a:t>Server 1</a:t>
+                      </a:r>
+                    </a:p>
+                  </a:txBody>
+                  <a:tcPr anchor="ctr">
+                    <a:lnL w="12700" cap="flat" cmpd="sng" algn="ctr">
+                      <a:solidFill>
+                        <a:schemeClr val="tx1"/>
+                      </a:solidFill>
+                      <a:prstDash val="solid"/>
+                      <a:round/>
+                      <a:headEnd type="none" w="med" len="med"/>
+                      <a:tailEnd type="none" w="med" len="med"/>
+                    </a:lnL>
+                    <a:lnR w="12700" cap="flat" cmpd="sng" algn="ctr">
+                      <a:solidFill>
+                        <a:schemeClr val="tx1"/>
+                      </a:solidFill>
+                      <a:prstDash val="solid"/>
+                      <a:round/>
+                      <a:headEnd type="none" w="med" len="med"/>
+                      <a:tailEnd type="none" w="med" len="med"/>
+                    </a:lnR>
+                    <a:lnT w="12700" cap="flat" cmpd="sng" algn="ctr">
+                      <a:solidFill>
+                        <a:schemeClr val="tx1"/>
+                      </a:solidFill>
+                      <a:prstDash val="solid"/>
+                      <a:round/>
+                      <a:headEnd type="none" w="med" len="med"/>
+                      <a:tailEnd type="none" w="med" len="med"/>
+                    </a:lnT>
+                    <a:lnB w="12700" cap="flat" cmpd="sng" algn="ctr">
+                      <a:solidFill>
+                        <a:schemeClr val="tx1"/>
+                      </a:solidFill>
+                      <a:prstDash val="solid"/>
+                      <a:round/>
+                      <a:headEnd type="none" w="med" len="med"/>
+                      <a:tailEnd type="none" w="med" len="med"/>
+                    </a:lnB>
+                    <a:noFill/>
+                  </a:tcPr>
+                </a:tc>
+                <a:tc>
+                  <a:txBody>
+                    <a:bodyPr/>
+                    <a:lstStyle/>
+                    <a:p>
+                      <a:pPr algn="l">
+                        <a:buNone/>
+                      </a:pPr>
+                      <a:r>
+                        <a:rPr lang="en-US"/>
+                        <a:t>192.168.1.10</a:t>
+                      </a:r>
+                    </a:p>
+                  </a:txBody>
+                  <a:tcPr anchor="ctr">
+                    <a:lnL w="12700" cap="flat" cmpd="sng" algn="ctr">
+                      <a:solidFill>
+                        <a:schemeClr val="tx1"/>
+                      </a:solidFill>
+                      <a:prstDash val="solid"/>
+                      <a:round/>
+                      <a:headEnd type="none" w="med" len="med"/>
+                      <a:tailEnd type="none" w="med" len="med"/>
+                    </a:lnL>
+                    <a:lnR w="12700" cap="flat" cmpd="sng" algn="ctr">
+                      <a:solidFill>
+                        <a:schemeClr val="tx1"/>
+                      </a:solidFill>
+                      <a:prstDash val="solid"/>
+                      <a:round/>
+                      <a:headEnd type="none" w="med" len="med"/>
+                      <a:tailEnd type="none" w="med" len="med"/>
+                    </a:lnR>
+                    <a:lnT w="12700" cap="flat" cmpd="sng" algn="ctr">
+                      <a:solidFill>
+                        <a:schemeClr val="tx1"/>
+                      </a:solidFill>
+                      <a:prstDash val="solid"/>
+                      <a:round/>
+                      <a:headEnd type="none" w="med" len="med"/>
+                      <a:tailEnd type="none" w="med" len="med"/>
+                    </a:lnT>
+                    <a:lnB w="12700" cap="flat" cmpd="sng" algn="ctr">
+                      <a:solidFill>
+                        <a:schemeClr val="tx1"/>
+                      </a:solidFill>
+                      <a:prstDash val="solid"/>
+                      <a:round/>
+                      <a:headEnd type="none" w="med" len="med"/>
+                      <a:tailEnd type="none" w="med" len="med"/>
+                    </a:lnB>
+                    <a:noFill/>
+                  </a:tcPr>
+                </a:tc>
+                <a:tc>
+                  <a:txBody>
+                    <a:bodyPr/>
+                    <a:lstStyle/>
+                    <a:p>
+                      <a:pPr algn="l">
+                        <a:buNone/>
+                      </a:pPr>
+                      <a:r>
+                        <a:rPr lang="en-US"/>
+                        <a:t>Backend A</a:t>
+                      </a:r>
+                    </a:p>
+                  </a:txBody>
+                  <a:tcPr anchor="ctr">
+                    <a:lnL w="12700" cap="flat" cmpd="sng" algn="ctr">
+                      <a:solidFill>
+                        <a:schemeClr val="tx1"/>
+                      </a:solidFill>
+                      <a:prstDash val="solid"/>
+                      <a:round/>
+                      <a:headEnd type="none" w="med" len="med"/>
+                      <a:tailEnd type="none" w="med" len="med"/>
+                    </a:lnL>
+                    <a:lnR w="12700" cap="flat" cmpd="sng" algn="ctr">
+                      <a:solidFill>
+                        <a:schemeClr val="tx1"/>
+                      </a:solidFill>
+                      <a:prstDash val="solid"/>
+                      <a:round/>
+                      <a:headEnd type="none" w="med" len="med"/>
+                      <a:tailEnd type="none" w="med" len="med"/>
+                    </a:lnR>
+                    <a:lnT w="12700" cap="flat" cmpd="sng" algn="ctr">
+                      <a:solidFill>
+                        <a:schemeClr val="tx1"/>
+                      </a:solidFill>
+                      <a:prstDash val="solid"/>
+                      <a:round/>
+                      <a:headEnd type="none" w="med" len="med"/>
+                      <a:tailEnd type="none" w="med" len="med"/>
+                    </a:lnT>
+                    <a:lnB w="12700" cap="flat" cmpd="sng" algn="ctr">
+                      <a:solidFill>
+                        <a:schemeClr val="tx1"/>
+                      </a:solidFill>
+                      <a:prstDash val="solid"/>
+                      <a:round/>
+                      <a:headEnd type="none" w="med" len="med"/>
+                      <a:tailEnd type="none" w="med" len="med"/>
+                    </a:lnB>
+                    <a:noFill/>
+                  </a:tcPr>
+                </a:tc>
+                <a:extLst>
+                  <a:ext uri="{0D108BD9-81ED-4DB2-BD59-A6C34878D82A}">
+                    <a16:rowId xmlns:a16="http://schemas.microsoft.com/office/drawing/2014/main" val="2615193820"/>
+                  </a:ext>
+                </a:extLst>
+              </a:tr>
+              <a:tr h="0">
+                <a:tc>
+                  <a:txBody>
+                    <a:bodyPr/>
+                    <a:lstStyle/>
+                    <a:p>
+                      <a:pPr algn="l">
+                        <a:buNone/>
+                      </a:pPr>
+                      <a:r>
+                        <a:rPr lang="en-US"/>
+                        <a:t>Server 2</a:t>
+                      </a:r>
+                    </a:p>
+                  </a:txBody>
+                  <a:tcPr anchor="ctr">
+                    <a:lnL w="12700" cap="flat" cmpd="sng" algn="ctr">
+                      <a:solidFill>
+                        <a:schemeClr val="tx1"/>
+                      </a:solidFill>
+                      <a:prstDash val="solid"/>
+                      <a:round/>
+                      <a:headEnd type="none" w="med" len="med"/>
+                      <a:tailEnd type="none" w="med" len="med"/>
+                    </a:lnL>
+                    <a:lnR w="12700" cap="flat" cmpd="sng" algn="ctr">
+                      <a:solidFill>
+                        <a:schemeClr val="tx1"/>
+                      </a:solidFill>
+                      <a:prstDash val="solid"/>
+                      <a:round/>
+                      <a:headEnd type="none" w="med" len="med"/>
+                      <a:tailEnd type="none" w="med" len="med"/>
+                    </a:lnR>
+                    <a:lnT w="12700" cap="flat" cmpd="sng" algn="ctr">
+                      <a:solidFill>
+                        <a:schemeClr val="tx1"/>
+                      </a:solidFill>
+                      <a:prstDash val="solid"/>
+                      <a:round/>
+                      <a:headEnd type="none" w="med" len="med"/>
+                      <a:tailEnd type="none" w="med" len="med"/>
+                    </a:lnT>
+                    <a:lnB w="12700" cap="flat" cmpd="sng" algn="ctr">
+                      <a:solidFill>
+                        <a:schemeClr val="tx1"/>
+                      </a:solidFill>
+                      <a:prstDash val="solid"/>
+                      <a:round/>
+                      <a:headEnd type="none" w="med" len="med"/>
+                      <a:tailEnd type="none" w="med" len="med"/>
+                    </a:lnB>
+                    <a:noFill/>
+                  </a:tcPr>
+                </a:tc>
+                <a:tc>
+                  <a:txBody>
+                    <a:bodyPr/>
+                    <a:lstStyle/>
+                    <a:p>
+                      <a:pPr algn="l">
+                        <a:buNone/>
+                      </a:pPr>
+                      <a:r>
+                        <a:rPr lang="en-US"/>
+                        <a:t>192.168.1.11</a:t>
+                      </a:r>
+                    </a:p>
+                  </a:txBody>
+                  <a:tcPr anchor="ctr">
+                    <a:lnL w="12700" cap="flat" cmpd="sng" algn="ctr">
+                      <a:solidFill>
+                        <a:schemeClr val="tx1"/>
+                      </a:solidFill>
+                      <a:prstDash val="solid"/>
+                      <a:round/>
+                      <a:headEnd type="none" w="med" len="med"/>
+                      <a:tailEnd type="none" w="med" len="med"/>
+                    </a:lnL>
+                    <a:lnR w="12700" cap="flat" cmpd="sng" algn="ctr">
+                      <a:solidFill>
+                        <a:schemeClr val="tx1"/>
+                      </a:solidFill>
+                      <a:prstDash val="solid"/>
+                      <a:round/>
+                      <a:headEnd type="none" w="med" len="med"/>
+                      <a:tailEnd type="none" w="med" len="med"/>
+                    </a:lnR>
+                    <a:lnT w="12700" cap="flat" cmpd="sng" algn="ctr">
+                      <a:solidFill>
+                        <a:schemeClr val="tx1"/>
+                      </a:solidFill>
+                      <a:prstDash val="solid"/>
+                      <a:round/>
+                      <a:headEnd type="none" w="med" len="med"/>
+                      <a:tailEnd type="none" w="med" len="med"/>
+                    </a:lnT>
+                    <a:lnB w="12700" cap="flat" cmpd="sng" algn="ctr">
+                      <a:solidFill>
+                        <a:schemeClr val="tx1"/>
+                      </a:solidFill>
+                      <a:prstDash val="solid"/>
+                      <a:round/>
+                      <a:headEnd type="none" w="med" len="med"/>
+                      <a:tailEnd type="none" w="med" len="med"/>
+                    </a:lnB>
+                    <a:noFill/>
+                  </a:tcPr>
+                </a:tc>
+                <a:tc>
+                  <a:txBody>
+                    <a:bodyPr/>
+                    <a:lstStyle/>
+                    <a:p>
+                      <a:pPr algn="l">
+                        <a:buNone/>
+                      </a:pPr>
+                      <a:r>
+                        <a:rPr lang="en-US"/>
+                        <a:t>Backend B</a:t>
+                      </a:r>
+                    </a:p>
+                  </a:txBody>
+                  <a:tcPr anchor="ctr">
+                    <a:lnL w="12700" cap="flat" cmpd="sng" algn="ctr">
+                      <a:solidFill>
+                        <a:schemeClr val="tx1"/>
+                      </a:solidFill>
+                      <a:prstDash val="solid"/>
+                      <a:round/>
+                      <a:headEnd type="none" w="med" len="med"/>
+                      <a:tailEnd type="none" w="med" len="med"/>
+                    </a:lnL>
+                    <a:lnR w="12700" cap="flat" cmpd="sng" algn="ctr">
+                      <a:solidFill>
+                        <a:schemeClr val="tx1"/>
+                      </a:solidFill>
+                      <a:prstDash val="solid"/>
+                      <a:round/>
+                      <a:headEnd type="none" w="med" len="med"/>
+                      <a:tailEnd type="none" w="med" len="med"/>
+                    </a:lnR>
+                    <a:lnT w="12700" cap="flat" cmpd="sng" algn="ctr">
+                      <a:solidFill>
+                        <a:schemeClr val="tx1"/>
+                      </a:solidFill>
+                      <a:prstDash val="solid"/>
+                      <a:round/>
+                      <a:headEnd type="none" w="med" len="med"/>
+                      <a:tailEnd type="none" w="med" len="med"/>
+                    </a:lnT>
+                    <a:lnB w="12700" cap="flat" cmpd="sng" algn="ctr">
+                      <a:solidFill>
+                        <a:schemeClr val="tx1"/>
+                      </a:solidFill>
+                      <a:prstDash val="solid"/>
+                      <a:round/>
+                      <a:headEnd type="none" w="med" len="med"/>
+                      <a:tailEnd type="none" w="med" len="med"/>
+                    </a:lnB>
+                    <a:noFill/>
+                  </a:tcPr>
+                </a:tc>
+                <a:extLst>
+                  <a:ext uri="{0D108BD9-81ED-4DB2-BD59-A6C34878D82A}">
+                    <a16:rowId xmlns:a16="http://schemas.microsoft.com/office/drawing/2014/main" val="4155182421"/>
+                  </a:ext>
+                </a:extLst>
+              </a:tr>
+              <a:tr h="0">
+                <a:tc>
+                  <a:txBody>
+                    <a:bodyPr/>
+                    <a:lstStyle/>
+                    <a:p>
+                      <a:pPr algn="l">
+                        <a:buNone/>
+                      </a:pPr>
+                      <a:r>
+                        <a:rPr lang="en-US"/>
+                        <a:t>Server 3</a:t>
+                      </a:r>
+                    </a:p>
+                  </a:txBody>
+                  <a:tcPr anchor="ctr">
+                    <a:lnL w="12700" cap="flat" cmpd="sng" algn="ctr">
+                      <a:solidFill>
+                        <a:schemeClr val="tx1"/>
+                      </a:solidFill>
+                      <a:prstDash val="solid"/>
+                      <a:round/>
+                      <a:headEnd type="none" w="med" len="med"/>
+                      <a:tailEnd type="none" w="med" len="med"/>
+                    </a:lnL>
+                    <a:lnR w="12700" cap="flat" cmpd="sng" algn="ctr">
+                      <a:solidFill>
+                        <a:schemeClr val="tx1"/>
+                      </a:solidFill>
+                      <a:prstDash val="solid"/>
+                      <a:round/>
+                      <a:headEnd type="none" w="med" len="med"/>
+                      <a:tailEnd type="none" w="med" len="med"/>
+                    </a:lnR>
+                    <a:lnT w="12700" cap="flat" cmpd="sng" algn="ctr">
+                      <a:solidFill>
+                        <a:schemeClr val="tx1"/>
+                      </a:solidFill>
+                      <a:prstDash val="solid"/>
+                      <a:round/>
+                      <a:headEnd type="none" w="med" len="med"/>
+                      <a:tailEnd type="none" w="med" len="med"/>
+                    </a:lnT>
+                    <a:lnB w="12700" cap="flat" cmpd="sng" algn="ctr">
+                      <a:solidFill>
+                        <a:schemeClr val="tx1"/>
+                      </a:solidFill>
+                      <a:prstDash val="solid"/>
+                      <a:round/>
+                      <a:headEnd type="none" w="med" len="med"/>
+                      <a:tailEnd type="none" w="med" len="med"/>
+                    </a:lnB>
+                    <a:noFill/>
+                  </a:tcPr>
+                </a:tc>
+                <a:tc>
+                  <a:txBody>
+                    <a:bodyPr/>
+                    <a:lstStyle/>
+                    <a:p>
+                      <a:pPr algn="l">
+                        <a:buNone/>
+                      </a:pPr>
+                      <a:r>
+                        <a:rPr lang="en-US"/>
+                        <a:t>192.168.1.12</a:t>
+                      </a:r>
+                    </a:p>
+                  </a:txBody>
+                  <a:tcPr anchor="ctr">
+                    <a:lnL w="12700" cap="flat" cmpd="sng" algn="ctr">
+                      <a:solidFill>
+                        <a:schemeClr val="tx1"/>
+                      </a:solidFill>
+                      <a:prstDash val="solid"/>
+                      <a:round/>
+                      <a:headEnd type="none" w="med" len="med"/>
+                      <a:tailEnd type="none" w="med" len="med"/>
+                    </a:lnL>
+                    <a:lnR w="12700" cap="flat" cmpd="sng" algn="ctr">
+                      <a:solidFill>
+                        <a:schemeClr val="tx1"/>
+                      </a:solidFill>
+                      <a:prstDash val="solid"/>
+                      <a:round/>
+                      <a:headEnd type="none" w="med" len="med"/>
+                      <a:tailEnd type="none" w="med" len="med"/>
+                    </a:lnR>
+                    <a:lnT w="12700" cap="flat" cmpd="sng" algn="ctr">
+                      <a:solidFill>
+                        <a:schemeClr val="tx1"/>
+                      </a:solidFill>
+                      <a:prstDash val="solid"/>
+                      <a:round/>
+                      <a:headEnd type="none" w="med" len="med"/>
+                      <a:tailEnd type="none" w="med" len="med"/>
+                    </a:lnT>
+                    <a:lnB w="12700" cap="flat" cmpd="sng" algn="ctr">
+                      <a:solidFill>
+                        <a:schemeClr val="tx1"/>
+                      </a:solidFill>
+                      <a:prstDash val="solid"/>
+                      <a:round/>
+                      <a:headEnd type="none" w="med" len="med"/>
+                      <a:tailEnd type="none" w="med" len="med"/>
+                    </a:lnB>
+                    <a:noFill/>
+                  </a:tcPr>
+                </a:tc>
+                <a:tc>
+                  <a:txBody>
+                    <a:bodyPr/>
+                    <a:lstStyle/>
+                    <a:p>
+                      <a:pPr algn="l">
+                        <a:buNone/>
+                      </a:pPr>
+                      <a:r>
+                        <a:rPr lang="en-US"/>
+                        <a:t>Backend C</a:t>
+                      </a:r>
+                    </a:p>
+                  </a:txBody>
+                  <a:tcPr anchor="ctr">
+                    <a:lnL w="12700" cap="flat" cmpd="sng" algn="ctr">
+                      <a:solidFill>
+                        <a:schemeClr val="tx1"/>
+                      </a:solidFill>
+                      <a:prstDash val="solid"/>
+                      <a:round/>
+                      <a:headEnd type="none" w="med" len="med"/>
+                      <a:tailEnd type="none" w="med" len="med"/>
+                    </a:lnL>
+                    <a:lnR w="12700" cap="flat" cmpd="sng" algn="ctr">
+                      <a:solidFill>
+                        <a:schemeClr val="tx1"/>
+                      </a:solidFill>
+                      <a:prstDash val="solid"/>
+                      <a:round/>
+                      <a:headEnd type="none" w="med" len="med"/>
+                      <a:tailEnd type="none" w="med" len="med"/>
+                    </a:lnR>
+                    <a:lnT w="12700" cap="flat" cmpd="sng" algn="ctr">
+                      <a:solidFill>
+                        <a:schemeClr val="tx1"/>
+                      </a:solidFill>
+                      <a:prstDash val="solid"/>
+                      <a:round/>
+                      <a:headEnd type="none" w="med" len="med"/>
+                      <a:tailEnd type="none" w="med" len="med"/>
+                    </a:lnT>
+                    <a:lnB w="12700" cap="flat" cmpd="sng" algn="ctr">
+                      <a:solidFill>
+                        <a:schemeClr val="tx1"/>
+                      </a:solidFill>
+                      <a:prstDash val="solid"/>
+                      <a:round/>
+                      <a:headEnd type="none" w="med" len="med"/>
+                      <a:tailEnd type="none" w="med" len="med"/>
+                    </a:lnB>
+                    <a:noFill/>
+                  </a:tcPr>
+                </a:tc>
+                <a:extLst>
+                  <a:ext uri="{0D108BD9-81ED-4DB2-BD59-A6C34878D82A}">
+                    <a16:rowId xmlns:a16="http://schemas.microsoft.com/office/drawing/2014/main" val="1995798305"/>
+                  </a:ext>
+                </a:extLst>
+              </a:tr>
+            </a:tbl>
+          </a:graphicData>
+        </a:graphic>
+      </p:graphicFrame>
+      <p:pic>
+        <p:nvPicPr>
+          <p:cNvPr id="4" name="Picture 3">
+            <a:extLst>
+              <a:ext uri="{FF2B5EF4-FFF2-40B4-BE49-F238E27FC236}">
+                <a16:creationId xmlns:a16="http://schemas.microsoft.com/office/drawing/2014/main" id="{56CD5B70-7A47-F546-B124-1476388F55C7}"/>
+              </a:ext>
+            </a:extLst>
+          </p:cNvPr>
+          <p:cNvPicPr>
+            <a:picLocks noChangeAspect="1"/>
+          </p:cNvPicPr>
+          <p:nvPr/>
+        </p:nvPicPr>
+        <p:blipFill>
+          <a:blip r:embed="rId2"/>
+          <a:stretch>
+            <a:fillRect/>
+          </a:stretch>
+        </p:blipFill>
+        <p:spPr>
+          <a:xfrm>
+            <a:off x="9790545" y="5646647"/>
+            <a:ext cx="2401455" cy="1211353"/>
+          </a:xfrm>
+          <a:prstGeom prst="rect">
+            <a:avLst/>
+          </a:prstGeom>
+        </p:spPr>
+      </p:pic>
     </p:spTree>
     <p:extLst>
       <p:ext uri="{BB962C8B-B14F-4D97-AF65-F5344CB8AC3E}">
@@ -19152,7 +20002,7 @@
         <p:spPr>
           <a:xfrm>
             <a:off x="203200" y="244826"/>
-            <a:ext cx="11822545" cy="369332"/>
+            <a:ext cx="11822545" cy="5632311"/>
           </a:xfrm>
           <a:prstGeom prst="rect">
             <a:avLst/>
@@ -19169,8 +20019,185 @@
               <a:rPr lang="en-US">
                 <a:latin typeface="-apple-system"/>
               </a:rPr>
-              <a:t>.</a:t>
-            </a:r>
+              <a:t>İstifadəçilər sayta daxil olduqda, Load Balancer sorğuları bu qayda ilə paylayır: Bu, sadə, ədalətli və bərabər paylanma üsuludur.</a:t>
+            </a:r>
+            <a:endParaRPr lang="az-Latn-AZ">
+              <a:latin typeface="-apple-system"/>
+            </a:endParaRPr>
+          </a:p>
+          <a:p>
+            <a:pPr marL="742950" lvl="1" indent="-285750">
+              <a:lnSpc>
+                <a:spcPct val="150000"/>
+              </a:lnSpc>
+              <a:buFont typeface="Wingdings" panose="05000000000000000000" pitchFamily="2" charset="2"/>
+              <a:buChar char="q"/>
+            </a:pPr>
+            <a:r>
+              <a:rPr lang="en-US"/>
+              <a:t>1-ci istifadəçi → Server 1</a:t>
+            </a:r>
+          </a:p>
+          <a:p>
+            <a:pPr marL="742950" lvl="1" indent="-285750">
+              <a:lnSpc>
+                <a:spcPct val="150000"/>
+              </a:lnSpc>
+              <a:buFont typeface="Wingdings" panose="05000000000000000000" pitchFamily="2" charset="2"/>
+              <a:buChar char="q"/>
+            </a:pPr>
+            <a:r>
+              <a:rPr lang="en-US"/>
+              <a:t>2-ci istifadəçi → Server 2</a:t>
+            </a:r>
+          </a:p>
+          <a:p>
+            <a:pPr marL="742950" lvl="1" indent="-285750">
+              <a:lnSpc>
+                <a:spcPct val="150000"/>
+              </a:lnSpc>
+              <a:buFont typeface="Wingdings" panose="05000000000000000000" pitchFamily="2" charset="2"/>
+              <a:buChar char="q"/>
+            </a:pPr>
+            <a:r>
+              <a:rPr lang="en-US"/>
+              <a:t>3-cü istifadəçi → Server 3</a:t>
+            </a:r>
+          </a:p>
+          <a:p>
+            <a:pPr marL="742950" lvl="1" indent="-285750">
+              <a:lnSpc>
+                <a:spcPct val="150000"/>
+              </a:lnSpc>
+              <a:buFont typeface="Wingdings" panose="05000000000000000000" pitchFamily="2" charset="2"/>
+              <a:buChar char="q"/>
+            </a:pPr>
+            <a:r>
+              <a:rPr lang="en-US"/>
+              <a:t>4-cü istifadəçi → yenidən Server 1</a:t>
+            </a:r>
+          </a:p>
+          <a:p>
+            <a:pPr marL="742950" lvl="1" indent="-285750">
+              <a:lnSpc>
+                <a:spcPct val="150000"/>
+              </a:lnSpc>
+              <a:buFont typeface="Wingdings" panose="05000000000000000000" pitchFamily="2" charset="2"/>
+              <a:buChar char="q"/>
+            </a:pPr>
+            <a:r>
+              <a:rPr lang="en-US"/>
+              <a:t>5-ci istifadəçi → Server 2</a:t>
+            </a:r>
+          </a:p>
+          <a:p>
+            <a:pPr marL="742950" lvl="1" indent="-285750">
+              <a:lnSpc>
+                <a:spcPct val="150000"/>
+              </a:lnSpc>
+              <a:buFont typeface="Wingdings" panose="05000000000000000000" pitchFamily="2" charset="2"/>
+              <a:buChar char="q"/>
+            </a:pPr>
+            <a:r>
+              <a:rPr lang="en-US"/>
+              <a:t>və s. (dairəvi dövr)</a:t>
+            </a:r>
+            <a:endParaRPr lang="az-Latn-AZ"/>
+          </a:p>
+          <a:p>
+            <a:endParaRPr lang="az-Latn-AZ"/>
+          </a:p>
+          <a:p>
+            <a:endParaRPr lang="az-Latn-AZ"/>
+          </a:p>
+          <a:p>
+            <a:endParaRPr lang="az-Latn-AZ"/>
+          </a:p>
+          <a:p>
+            <a:r>
+              <a:rPr lang="en-US" b="1">
+                <a:solidFill>
+                  <a:srgbClr val="FF0000"/>
+                </a:solidFill>
+              </a:rPr>
+              <a:t>Round-Robin Scheduling (Operating System)</a:t>
+            </a:r>
+            <a:endParaRPr lang="az-Latn-AZ" b="1">
+              <a:solidFill>
+                <a:srgbClr val="FF0000"/>
+              </a:solidFill>
+            </a:endParaRPr>
+          </a:p>
+          <a:p>
+            <a:endParaRPr lang="en-US" b="1">
+              <a:solidFill>
+                <a:srgbClr val="FF0000"/>
+              </a:solidFill>
+            </a:endParaRPr>
+          </a:p>
+          <a:p>
+            <a:r>
+              <a:rPr lang="en-US"/>
+              <a:t>Əməliyyat sistemlərində </a:t>
+            </a:r>
+            <a:r>
+              <a:rPr lang="en-US" b="1"/>
+              <a:t>CPU scheduler</a:t>
+            </a:r>
+            <a:r>
+              <a:rPr lang="en-US"/>
+              <a:t> prosesləri idarə edərkən Round-Robin prinsipindən istifadə ed</a:t>
+            </a:r>
+            <a:r>
+              <a:rPr lang="az-Latn-AZ"/>
+              <a:t>ilə</a:t>
+            </a:r>
+            <a:r>
+              <a:rPr lang="en-US"/>
+              <a:t> bilər.</a:t>
+            </a:r>
+            <a:r>
+              <a:rPr lang="az-Latn-AZ"/>
+              <a:t> </a:t>
+            </a:r>
+            <a:r>
+              <a:rPr lang="en-US"/>
+              <a:t>Hər prosesə müəyyən vaxt kvantı (time slice) verilir, məsələn 100ms.</a:t>
+            </a:r>
+            <a:r>
+              <a:rPr lang="az-Latn-AZ"/>
+              <a:t> </a:t>
+            </a:r>
+            <a:r>
+              <a:rPr lang="en-US"/>
+              <a:t>100ms bitdikdən sonra növbəti proses CPU alır.</a:t>
+            </a:r>
+            <a:r>
+              <a:rPr lang="az-Latn-AZ"/>
+              <a:t> </a:t>
+            </a:r>
+            <a:r>
+              <a:rPr lang="en-US"/>
+              <a:t>Hamısı işlədikdən sonra növbə yenidən birincidən başlayır.</a:t>
+            </a:r>
+            <a:r>
+              <a:rPr lang="az-Latn-AZ"/>
+              <a:t> </a:t>
+            </a:r>
+            <a:r>
+              <a:rPr lang="en-US"/>
+              <a:t>Bu, </a:t>
+            </a:r>
+            <a:r>
+              <a:rPr lang="en-US" b="1"/>
+              <a:t>multitasking</a:t>
+            </a:r>
+            <a:r>
+              <a:rPr lang="en-US"/>
+              <a:t> sistemlərdə ədalətli resurs paylanması üçün çox yayılmış üsuldur.</a:t>
+            </a:r>
+          </a:p>
+          <a:p>
             <a:endParaRPr lang="en-US"/>
           </a:p>
         </p:txBody>
@@ -19226,7 +20253,7 @@
         <p:spPr>
           <a:xfrm>
             <a:off x="203200" y="244826"/>
-            <a:ext cx="11822545" cy="369332"/>
+            <a:ext cx="11822545" cy="4385816"/>
           </a:xfrm>
           <a:prstGeom prst="rect">
             <a:avLst/>
@@ -19243,12 +20270,145 @@
               <a:rPr lang="en-US">
                 <a:latin typeface="-apple-system"/>
               </a:rPr>
-              <a:t>.</a:t>
-            </a:r>
+              <a:t>Bəzən </a:t>
+            </a:r>
+            <a:r>
+              <a:rPr lang="en-US" b="1">
+                <a:solidFill>
+                  <a:srgbClr val="FF0000"/>
+                </a:solidFill>
+                <a:latin typeface="-apple-system"/>
+              </a:rPr>
+              <a:t>DNS səviyyəsində də Round-Robin </a:t>
+            </a:r>
+            <a:r>
+              <a:rPr lang="en-US">
+                <a:latin typeface="-apple-system"/>
+              </a:rPr>
+              <a:t>tətbiq olunur. Məsələn:</a:t>
+            </a:r>
+            <a:endParaRPr lang="az-Latn-AZ">
+              <a:latin typeface="-apple-system"/>
+            </a:endParaRPr>
+          </a:p>
+          <a:p>
+            <a:endParaRPr lang="az-Latn-AZ">
+              <a:latin typeface="-apple-system"/>
+            </a:endParaRPr>
+          </a:p>
+          <a:p>
+            <a:endParaRPr lang="az-Latn-AZ">
+              <a:latin typeface="-apple-system"/>
+            </a:endParaRPr>
+          </a:p>
+          <a:p>
+            <a:endParaRPr lang="az-Latn-AZ">
+              <a:latin typeface="-apple-system"/>
+            </a:endParaRPr>
+          </a:p>
+          <a:p>
+            <a:endParaRPr lang="az-Latn-AZ">
+              <a:latin typeface="-apple-system"/>
+            </a:endParaRPr>
+          </a:p>
+          <a:p>
+            <a:endParaRPr lang="az-Latn-AZ">
+              <a:latin typeface="-apple-system"/>
+            </a:endParaRPr>
+          </a:p>
+          <a:p>
+            <a:endParaRPr lang="az-Latn-AZ">
+              <a:latin typeface="-apple-system"/>
+            </a:endParaRPr>
+          </a:p>
+          <a:p>
+            <a:r>
+              <a:rPr lang="en-US"/>
+              <a:t>DNS server, cavabları dairəvi şəkildə dəyişərək verir:</a:t>
+            </a:r>
+            <a:r>
+              <a:rPr lang="az-Latn-AZ"/>
+              <a:t> Bu da sadə load balancing effekti yaradır, amma serverlərin real vəziyyətini yoxlamır (yəni biri ölü olsa da pay göndərir).</a:t>
+            </a:r>
+          </a:p>
+          <a:p>
+            <a:pPr marL="742950" lvl="1" indent="-285750">
+              <a:lnSpc>
+                <a:spcPct val="150000"/>
+              </a:lnSpc>
+              <a:buFont typeface="Wingdings" panose="05000000000000000000" pitchFamily="2" charset="2"/>
+              <a:buChar char="q"/>
+            </a:pPr>
+            <a:r>
+              <a:rPr lang="en-US"/>
+              <a:t>Birinci cavabda 192.168.1.10</a:t>
+            </a:r>
+          </a:p>
+          <a:p>
+            <a:pPr marL="742950" lvl="1" indent="-285750">
+              <a:lnSpc>
+                <a:spcPct val="150000"/>
+              </a:lnSpc>
+              <a:buFont typeface="Wingdings" panose="05000000000000000000" pitchFamily="2" charset="2"/>
+              <a:buChar char="q"/>
+            </a:pPr>
+            <a:r>
+              <a:rPr lang="en-US"/>
+              <a:t>Sonrakı sorğuda 192.168.1.11</a:t>
+            </a:r>
+          </a:p>
+          <a:p>
+            <a:pPr marL="742950" lvl="1" indent="-285750">
+              <a:lnSpc>
+                <a:spcPct val="150000"/>
+              </a:lnSpc>
+              <a:buFont typeface="Wingdings" panose="05000000000000000000" pitchFamily="2" charset="2"/>
+              <a:buChar char="q"/>
+            </a:pPr>
+            <a:r>
+              <a:rPr lang="en-US"/>
+              <a:t>Sonrakı sorğuda 192.168.1.12</a:t>
+            </a:r>
+            <a:endParaRPr lang="az-Latn-AZ"/>
+          </a:p>
+          <a:p>
+            <a:endParaRPr lang="az-Latn-AZ"/>
+          </a:p>
+          <a:p>
             <a:endParaRPr lang="en-US"/>
           </a:p>
         </p:txBody>
       </p:sp>
+      <p:pic>
+        <p:nvPicPr>
+          <p:cNvPr id="3" name="Picture 2">
+            <a:extLst>
+              <a:ext uri="{FF2B5EF4-FFF2-40B4-BE49-F238E27FC236}">
+                <a16:creationId xmlns:a16="http://schemas.microsoft.com/office/drawing/2014/main" id="{E3A840E5-7DA8-27D8-0688-5808862F5C54}"/>
+              </a:ext>
+            </a:extLst>
+          </p:cNvPr>
+          <p:cNvPicPr>
+            <a:picLocks noChangeAspect="1"/>
+          </p:cNvPicPr>
+          <p:nvPr/>
+        </p:nvPicPr>
+        <p:blipFill>
+          <a:blip r:embed="rId2"/>
+          <a:stretch>
+            <a:fillRect/>
+          </a:stretch>
+        </p:blipFill>
+        <p:spPr>
+          <a:xfrm>
+            <a:off x="203200" y="788185"/>
+            <a:ext cx="1657581" cy="1162212"/>
+          </a:xfrm>
+          <a:prstGeom prst="rect">
+            <a:avLst/>
+          </a:prstGeom>
+        </p:spPr>
+      </p:pic>
     </p:spTree>
     <p:extLst>
       <p:ext uri="{BB962C8B-B14F-4D97-AF65-F5344CB8AC3E}">
@@ -19314,15 +20474,934 @@
           <a:lstStyle/>
           <a:p>
             <a:r>
-              <a:rPr lang="en-US">
+              <a:rPr lang="en-US" b="1">
+                <a:solidFill>
+                  <a:srgbClr val="FF0000"/>
+                </a:solidFill>
                 <a:latin typeface="-apple-system"/>
               </a:rPr>
-              <a:t>.</a:t>
+              <a:t>Round-Robin növləri</a:t>
+            </a:r>
+            <a:r>
+              <a:rPr lang="az-Latn-AZ">
+                <a:latin typeface="-apple-system"/>
+              </a:rPr>
+              <a:t>:</a:t>
             </a:r>
             <a:endParaRPr lang="en-US"/>
           </a:p>
         </p:txBody>
       </p:sp>
+      <p:graphicFrame>
+        <p:nvGraphicFramePr>
+          <p:cNvPr id="2" name="Table 1">
+            <a:extLst>
+              <a:ext uri="{FF2B5EF4-FFF2-40B4-BE49-F238E27FC236}">
+                <a16:creationId xmlns:a16="http://schemas.microsoft.com/office/drawing/2014/main" id="{4384160B-70EA-FC8A-08C8-E85DF9FA81FE}"/>
+              </a:ext>
+            </a:extLst>
+          </p:cNvPr>
+          <p:cNvGraphicFramePr>
+            <a:graphicFrameLocks noGrp="1"/>
+          </p:cNvGraphicFramePr>
+          <p:nvPr>
+            <p:extLst>
+              <p:ext uri="{D42A27DB-BD31-4B8C-83A1-F6EECF244321}">
+                <p14:modId xmlns:p14="http://schemas.microsoft.com/office/powerpoint/2010/main" val="1405441459"/>
+              </p:ext>
+            </p:extLst>
+          </p:nvPr>
+        </p:nvGraphicFramePr>
+        <p:xfrm>
+          <a:off x="203200" y="965301"/>
+          <a:ext cx="11711709" cy="2304370"/>
+        </p:xfrm>
+        <a:graphic>
+          <a:graphicData uri="http://schemas.openxmlformats.org/drawingml/2006/table">
+            <a:tbl>
+              <a:tblPr/>
+              <a:tblGrid>
+                <a:gridCol w="3505200">
+                  <a:extLst>
+                    <a:ext uri="{9D8B030D-6E8A-4147-A177-3AD203B41FA5}">
+                      <a16:colId xmlns:a16="http://schemas.microsoft.com/office/drawing/2014/main" val="1990826753"/>
+                    </a:ext>
+                  </a:extLst>
+                </a:gridCol>
+                <a:gridCol w="3505200">
+                  <a:extLst>
+                    <a:ext uri="{9D8B030D-6E8A-4147-A177-3AD203B41FA5}">
+                      <a16:colId xmlns:a16="http://schemas.microsoft.com/office/drawing/2014/main" val="2635949968"/>
+                    </a:ext>
+                  </a:extLst>
+                </a:gridCol>
+                <a:gridCol w="4701309">
+                  <a:extLst>
+                    <a:ext uri="{9D8B030D-6E8A-4147-A177-3AD203B41FA5}">
+                      <a16:colId xmlns:a16="http://schemas.microsoft.com/office/drawing/2014/main" val="1777011700"/>
+                    </a:ext>
+                  </a:extLst>
+                </a:gridCol>
+              </a:tblGrid>
+              <a:tr h="460874">
+                <a:tc>
+                  <a:txBody>
+                    <a:bodyPr/>
+                    <a:lstStyle/>
+                    <a:p>
+                      <a:pPr algn="l">
+                        <a:buNone/>
+                      </a:pPr>
+                      <a:r>
+                        <a:rPr lang="en-US"/>
+                        <a:t>Növ</a:t>
+                      </a:r>
+                    </a:p>
+                  </a:txBody>
+                  <a:tcPr anchor="ctr">
+                    <a:lnL w="12700" cap="flat" cmpd="sng" algn="ctr">
+                      <a:solidFill>
+                        <a:schemeClr val="tx1"/>
+                      </a:solidFill>
+                      <a:prstDash val="solid"/>
+                      <a:round/>
+                      <a:headEnd type="none" w="med" len="med"/>
+                      <a:tailEnd type="none" w="med" len="med"/>
+                    </a:lnL>
+                    <a:lnR w="12700" cap="flat" cmpd="sng" algn="ctr">
+                      <a:solidFill>
+                        <a:schemeClr val="tx1"/>
+                      </a:solidFill>
+                      <a:prstDash val="solid"/>
+                      <a:round/>
+                      <a:headEnd type="none" w="med" len="med"/>
+                      <a:tailEnd type="none" w="med" len="med"/>
+                    </a:lnR>
+                    <a:lnT w="12700" cap="flat" cmpd="sng" algn="ctr">
+                      <a:solidFill>
+                        <a:schemeClr val="tx1"/>
+                      </a:solidFill>
+                      <a:prstDash val="solid"/>
+                      <a:round/>
+                      <a:headEnd type="none" w="med" len="med"/>
+                      <a:tailEnd type="none" w="med" len="med"/>
+                    </a:lnT>
+                    <a:lnB w="12700" cap="flat" cmpd="sng" algn="ctr">
+                      <a:solidFill>
+                        <a:schemeClr val="tx1"/>
+                      </a:solidFill>
+                      <a:prstDash val="solid"/>
+                      <a:round/>
+                      <a:headEnd type="none" w="med" len="med"/>
+                      <a:tailEnd type="none" w="med" len="med"/>
+                    </a:lnB>
+                    <a:solidFill>
+                      <a:schemeClr val="accent2"/>
+                    </a:solidFill>
+                  </a:tcPr>
+                </a:tc>
+                <a:tc>
+                  <a:txBody>
+                    <a:bodyPr/>
+                    <a:lstStyle/>
+                    <a:p>
+                      <a:pPr algn="l">
+                        <a:buNone/>
+                      </a:pPr>
+                      <a:r>
+                        <a:rPr lang="en-US"/>
+                        <a:t>İstifadə sahəsi</a:t>
+                      </a:r>
+                    </a:p>
+                  </a:txBody>
+                  <a:tcPr anchor="ctr">
+                    <a:lnL w="12700" cap="flat" cmpd="sng" algn="ctr">
+                      <a:solidFill>
+                        <a:schemeClr val="tx1"/>
+                      </a:solidFill>
+                      <a:prstDash val="solid"/>
+                      <a:round/>
+                      <a:headEnd type="none" w="med" len="med"/>
+                      <a:tailEnd type="none" w="med" len="med"/>
+                    </a:lnL>
+                    <a:lnR w="12700" cap="flat" cmpd="sng" algn="ctr">
+                      <a:solidFill>
+                        <a:schemeClr val="tx1"/>
+                      </a:solidFill>
+                      <a:prstDash val="solid"/>
+                      <a:round/>
+                      <a:headEnd type="none" w="med" len="med"/>
+                      <a:tailEnd type="none" w="med" len="med"/>
+                    </a:lnR>
+                    <a:lnT w="12700" cap="flat" cmpd="sng" algn="ctr">
+                      <a:solidFill>
+                        <a:schemeClr val="tx1"/>
+                      </a:solidFill>
+                      <a:prstDash val="solid"/>
+                      <a:round/>
+                      <a:headEnd type="none" w="med" len="med"/>
+                      <a:tailEnd type="none" w="med" len="med"/>
+                    </a:lnT>
+                    <a:lnB w="12700" cap="flat" cmpd="sng" algn="ctr">
+                      <a:solidFill>
+                        <a:schemeClr val="tx1"/>
+                      </a:solidFill>
+                      <a:prstDash val="solid"/>
+                      <a:round/>
+                      <a:headEnd type="none" w="med" len="med"/>
+                      <a:tailEnd type="none" w="med" len="med"/>
+                    </a:lnB>
+                    <a:solidFill>
+                      <a:schemeClr val="accent2"/>
+                    </a:solidFill>
+                  </a:tcPr>
+                </a:tc>
+                <a:tc>
+                  <a:txBody>
+                    <a:bodyPr/>
+                    <a:lstStyle/>
+                    <a:p>
+                      <a:pPr algn="l">
+                        <a:buNone/>
+                      </a:pPr>
+                      <a:r>
+                        <a:rPr lang="en-US"/>
+                        <a:t>Xüsusiyyət</a:t>
+                      </a:r>
+                    </a:p>
+                  </a:txBody>
+                  <a:tcPr anchor="ctr">
+                    <a:lnL w="12700" cap="flat" cmpd="sng" algn="ctr">
+                      <a:solidFill>
+                        <a:schemeClr val="tx1"/>
+                      </a:solidFill>
+                      <a:prstDash val="solid"/>
+                      <a:round/>
+                      <a:headEnd type="none" w="med" len="med"/>
+                      <a:tailEnd type="none" w="med" len="med"/>
+                    </a:lnL>
+                    <a:lnR w="12700" cap="flat" cmpd="sng" algn="ctr">
+                      <a:solidFill>
+                        <a:schemeClr val="tx1"/>
+                      </a:solidFill>
+                      <a:prstDash val="solid"/>
+                      <a:round/>
+                      <a:headEnd type="none" w="med" len="med"/>
+                      <a:tailEnd type="none" w="med" len="med"/>
+                    </a:lnR>
+                    <a:lnT w="12700" cap="flat" cmpd="sng" algn="ctr">
+                      <a:solidFill>
+                        <a:schemeClr val="tx1"/>
+                      </a:solidFill>
+                      <a:prstDash val="solid"/>
+                      <a:round/>
+                      <a:headEnd type="none" w="med" len="med"/>
+                      <a:tailEnd type="none" w="med" len="med"/>
+                    </a:lnT>
+                    <a:lnB w="12700" cap="flat" cmpd="sng" algn="ctr">
+                      <a:solidFill>
+                        <a:schemeClr val="tx1"/>
+                      </a:solidFill>
+                      <a:prstDash val="solid"/>
+                      <a:round/>
+                      <a:headEnd type="none" w="med" len="med"/>
+                      <a:tailEnd type="none" w="med" len="med"/>
+                    </a:lnB>
+                    <a:solidFill>
+                      <a:schemeClr val="accent2"/>
+                    </a:solidFill>
+                  </a:tcPr>
+                </a:tc>
+                <a:extLst>
+                  <a:ext uri="{0D108BD9-81ED-4DB2-BD59-A6C34878D82A}">
+                    <a16:rowId xmlns:a16="http://schemas.microsoft.com/office/drawing/2014/main" val="119747773"/>
+                  </a:ext>
+                </a:extLst>
+              </a:tr>
+              <a:tr h="460874">
+                <a:tc>
+                  <a:txBody>
+                    <a:bodyPr/>
+                    <a:lstStyle/>
+                    <a:p>
+                      <a:pPr algn="l">
+                        <a:buNone/>
+                      </a:pPr>
+                      <a:r>
+                        <a:rPr lang="en-US" b="1"/>
+                        <a:t>Basic Round-Robin</a:t>
+                      </a:r>
+                      <a:endParaRPr lang="en-US"/>
+                    </a:p>
+                  </a:txBody>
+                  <a:tcPr anchor="ctr">
+                    <a:lnL w="12700" cap="flat" cmpd="sng" algn="ctr">
+                      <a:solidFill>
+                        <a:schemeClr val="tx1"/>
+                      </a:solidFill>
+                      <a:prstDash val="solid"/>
+                      <a:round/>
+                      <a:headEnd type="none" w="med" len="med"/>
+                      <a:tailEnd type="none" w="med" len="med"/>
+                    </a:lnL>
+                    <a:lnR w="12700" cap="flat" cmpd="sng" algn="ctr">
+                      <a:solidFill>
+                        <a:schemeClr val="tx1"/>
+                      </a:solidFill>
+                      <a:prstDash val="solid"/>
+                      <a:round/>
+                      <a:headEnd type="none" w="med" len="med"/>
+                      <a:tailEnd type="none" w="med" len="med"/>
+                    </a:lnR>
+                    <a:lnT w="12700" cap="flat" cmpd="sng" algn="ctr">
+                      <a:solidFill>
+                        <a:schemeClr val="tx1"/>
+                      </a:solidFill>
+                      <a:prstDash val="solid"/>
+                      <a:round/>
+                      <a:headEnd type="none" w="med" len="med"/>
+                      <a:tailEnd type="none" w="med" len="med"/>
+                    </a:lnT>
+                    <a:lnB w="12700" cap="flat" cmpd="sng" algn="ctr">
+                      <a:solidFill>
+                        <a:schemeClr val="tx1"/>
+                      </a:solidFill>
+                      <a:prstDash val="solid"/>
+                      <a:round/>
+                      <a:headEnd type="none" w="med" len="med"/>
+                      <a:tailEnd type="none" w="med" len="med"/>
+                    </a:lnB>
+                    <a:noFill/>
+                  </a:tcPr>
+                </a:tc>
+                <a:tc>
+                  <a:txBody>
+                    <a:bodyPr/>
+                    <a:lstStyle/>
+                    <a:p>
+                      <a:pPr algn="l">
+                        <a:buNone/>
+                      </a:pPr>
+                      <a:r>
+                        <a:rPr lang="en-US"/>
+                        <a:t>Load Balancer, DNS</a:t>
+                      </a:r>
+                    </a:p>
+                  </a:txBody>
+                  <a:tcPr anchor="ctr">
+                    <a:lnL w="12700" cap="flat" cmpd="sng" algn="ctr">
+                      <a:solidFill>
+                        <a:schemeClr val="tx1"/>
+                      </a:solidFill>
+                      <a:prstDash val="solid"/>
+                      <a:round/>
+                      <a:headEnd type="none" w="med" len="med"/>
+                      <a:tailEnd type="none" w="med" len="med"/>
+                    </a:lnL>
+                    <a:lnR w="12700" cap="flat" cmpd="sng" algn="ctr">
+                      <a:solidFill>
+                        <a:schemeClr val="tx1"/>
+                      </a:solidFill>
+                      <a:prstDash val="solid"/>
+                      <a:round/>
+                      <a:headEnd type="none" w="med" len="med"/>
+                      <a:tailEnd type="none" w="med" len="med"/>
+                    </a:lnR>
+                    <a:lnT w="12700" cap="flat" cmpd="sng" algn="ctr">
+                      <a:solidFill>
+                        <a:schemeClr val="tx1"/>
+                      </a:solidFill>
+                      <a:prstDash val="solid"/>
+                      <a:round/>
+                      <a:headEnd type="none" w="med" len="med"/>
+                      <a:tailEnd type="none" w="med" len="med"/>
+                    </a:lnT>
+                    <a:lnB w="12700" cap="flat" cmpd="sng" algn="ctr">
+                      <a:solidFill>
+                        <a:schemeClr val="tx1"/>
+                      </a:solidFill>
+                      <a:prstDash val="solid"/>
+                      <a:round/>
+                      <a:headEnd type="none" w="med" len="med"/>
+                      <a:tailEnd type="none" w="med" len="med"/>
+                    </a:lnB>
+                    <a:noFill/>
+                  </a:tcPr>
+                </a:tc>
+                <a:tc>
+                  <a:txBody>
+                    <a:bodyPr/>
+                    <a:lstStyle/>
+                    <a:p>
+                      <a:pPr algn="l">
+                        <a:buNone/>
+                      </a:pPr>
+                      <a:r>
+                        <a:rPr lang="en-US"/>
+                        <a:t>Bütün serverlər bərabər pay alır</a:t>
+                      </a:r>
+                    </a:p>
+                  </a:txBody>
+                  <a:tcPr anchor="ctr">
+                    <a:lnL w="12700" cap="flat" cmpd="sng" algn="ctr">
+                      <a:solidFill>
+                        <a:schemeClr val="tx1"/>
+                      </a:solidFill>
+                      <a:prstDash val="solid"/>
+                      <a:round/>
+                      <a:headEnd type="none" w="med" len="med"/>
+                      <a:tailEnd type="none" w="med" len="med"/>
+                    </a:lnL>
+                    <a:lnR w="12700" cap="flat" cmpd="sng" algn="ctr">
+                      <a:solidFill>
+                        <a:schemeClr val="tx1"/>
+                      </a:solidFill>
+                      <a:prstDash val="solid"/>
+                      <a:round/>
+                      <a:headEnd type="none" w="med" len="med"/>
+                      <a:tailEnd type="none" w="med" len="med"/>
+                    </a:lnR>
+                    <a:lnT w="12700" cap="flat" cmpd="sng" algn="ctr">
+                      <a:solidFill>
+                        <a:schemeClr val="tx1"/>
+                      </a:solidFill>
+                      <a:prstDash val="solid"/>
+                      <a:round/>
+                      <a:headEnd type="none" w="med" len="med"/>
+                      <a:tailEnd type="none" w="med" len="med"/>
+                    </a:lnT>
+                    <a:lnB w="12700" cap="flat" cmpd="sng" algn="ctr">
+                      <a:solidFill>
+                        <a:schemeClr val="tx1"/>
+                      </a:solidFill>
+                      <a:prstDash val="solid"/>
+                      <a:round/>
+                      <a:headEnd type="none" w="med" len="med"/>
+                      <a:tailEnd type="none" w="med" len="med"/>
+                    </a:lnB>
+                    <a:noFill/>
+                  </a:tcPr>
+                </a:tc>
+                <a:extLst>
+                  <a:ext uri="{0D108BD9-81ED-4DB2-BD59-A6C34878D82A}">
+                    <a16:rowId xmlns:a16="http://schemas.microsoft.com/office/drawing/2014/main" val="1387585073"/>
+                  </a:ext>
+                </a:extLst>
+              </a:tr>
+              <a:tr h="460874">
+                <a:tc>
+                  <a:txBody>
+                    <a:bodyPr/>
+                    <a:lstStyle/>
+                    <a:p>
+                      <a:pPr algn="l">
+                        <a:buNone/>
+                      </a:pPr>
+                      <a:r>
+                        <a:rPr lang="en-US" b="1"/>
+                        <a:t>Weighted Round-Robin</a:t>
+                      </a:r>
+                      <a:endParaRPr lang="en-US"/>
+                    </a:p>
+                  </a:txBody>
+                  <a:tcPr anchor="ctr">
+                    <a:lnL w="12700" cap="flat" cmpd="sng" algn="ctr">
+                      <a:solidFill>
+                        <a:schemeClr val="tx1"/>
+                      </a:solidFill>
+                      <a:prstDash val="solid"/>
+                      <a:round/>
+                      <a:headEnd type="none" w="med" len="med"/>
+                      <a:tailEnd type="none" w="med" len="med"/>
+                    </a:lnL>
+                    <a:lnR w="12700" cap="flat" cmpd="sng" algn="ctr">
+                      <a:solidFill>
+                        <a:schemeClr val="tx1"/>
+                      </a:solidFill>
+                      <a:prstDash val="solid"/>
+                      <a:round/>
+                      <a:headEnd type="none" w="med" len="med"/>
+                      <a:tailEnd type="none" w="med" len="med"/>
+                    </a:lnR>
+                    <a:lnT w="12700" cap="flat" cmpd="sng" algn="ctr">
+                      <a:solidFill>
+                        <a:schemeClr val="tx1"/>
+                      </a:solidFill>
+                      <a:prstDash val="solid"/>
+                      <a:round/>
+                      <a:headEnd type="none" w="med" len="med"/>
+                      <a:tailEnd type="none" w="med" len="med"/>
+                    </a:lnT>
+                    <a:lnB w="12700" cap="flat" cmpd="sng" algn="ctr">
+                      <a:solidFill>
+                        <a:schemeClr val="tx1"/>
+                      </a:solidFill>
+                      <a:prstDash val="solid"/>
+                      <a:round/>
+                      <a:headEnd type="none" w="med" len="med"/>
+                      <a:tailEnd type="none" w="med" len="med"/>
+                    </a:lnB>
+                    <a:noFill/>
+                  </a:tcPr>
+                </a:tc>
+                <a:tc>
+                  <a:txBody>
+                    <a:bodyPr/>
+                    <a:lstStyle/>
+                    <a:p>
+                      <a:pPr algn="l">
+                        <a:buNone/>
+                      </a:pPr>
+                      <a:r>
+                        <a:rPr lang="en-US"/>
+                        <a:t>Load Balancer</a:t>
+                      </a:r>
+                    </a:p>
+                  </a:txBody>
+                  <a:tcPr anchor="ctr">
+                    <a:lnL w="12700" cap="flat" cmpd="sng" algn="ctr">
+                      <a:solidFill>
+                        <a:schemeClr val="tx1"/>
+                      </a:solidFill>
+                      <a:prstDash val="solid"/>
+                      <a:round/>
+                      <a:headEnd type="none" w="med" len="med"/>
+                      <a:tailEnd type="none" w="med" len="med"/>
+                    </a:lnL>
+                    <a:lnR w="12700" cap="flat" cmpd="sng" algn="ctr">
+                      <a:solidFill>
+                        <a:schemeClr val="tx1"/>
+                      </a:solidFill>
+                      <a:prstDash val="solid"/>
+                      <a:round/>
+                      <a:headEnd type="none" w="med" len="med"/>
+                      <a:tailEnd type="none" w="med" len="med"/>
+                    </a:lnR>
+                    <a:lnT w="12700" cap="flat" cmpd="sng" algn="ctr">
+                      <a:solidFill>
+                        <a:schemeClr val="tx1"/>
+                      </a:solidFill>
+                      <a:prstDash val="solid"/>
+                      <a:round/>
+                      <a:headEnd type="none" w="med" len="med"/>
+                      <a:tailEnd type="none" w="med" len="med"/>
+                    </a:lnT>
+                    <a:lnB w="12700" cap="flat" cmpd="sng" algn="ctr">
+                      <a:solidFill>
+                        <a:schemeClr val="tx1"/>
+                      </a:solidFill>
+                      <a:prstDash val="solid"/>
+                      <a:round/>
+                      <a:headEnd type="none" w="med" len="med"/>
+                      <a:tailEnd type="none" w="med" len="med"/>
+                    </a:lnB>
+                    <a:noFill/>
+                  </a:tcPr>
+                </a:tc>
+                <a:tc>
+                  <a:txBody>
+                    <a:bodyPr/>
+                    <a:lstStyle/>
+                    <a:p>
+                      <a:pPr algn="l">
+                        <a:buNone/>
+                      </a:pPr>
+                      <a:r>
+                        <a:rPr lang="en-US"/>
+                        <a:t>Güclü serverlərə daha çox trafik verilir</a:t>
+                      </a:r>
+                    </a:p>
+                  </a:txBody>
+                  <a:tcPr anchor="ctr">
+                    <a:lnL w="12700" cap="flat" cmpd="sng" algn="ctr">
+                      <a:solidFill>
+                        <a:schemeClr val="tx1"/>
+                      </a:solidFill>
+                      <a:prstDash val="solid"/>
+                      <a:round/>
+                      <a:headEnd type="none" w="med" len="med"/>
+                      <a:tailEnd type="none" w="med" len="med"/>
+                    </a:lnL>
+                    <a:lnR w="12700" cap="flat" cmpd="sng" algn="ctr">
+                      <a:solidFill>
+                        <a:schemeClr val="tx1"/>
+                      </a:solidFill>
+                      <a:prstDash val="solid"/>
+                      <a:round/>
+                      <a:headEnd type="none" w="med" len="med"/>
+                      <a:tailEnd type="none" w="med" len="med"/>
+                    </a:lnR>
+                    <a:lnT w="12700" cap="flat" cmpd="sng" algn="ctr">
+                      <a:solidFill>
+                        <a:schemeClr val="tx1"/>
+                      </a:solidFill>
+                      <a:prstDash val="solid"/>
+                      <a:round/>
+                      <a:headEnd type="none" w="med" len="med"/>
+                      <a:tailEnd type="none" w="med" len="med"/>
+                    </a:lnT>
+                    <a:lnB w="12700" cap="flat" cmpd="sng" algn="ctr">
+                      <a:solidFill>
+                        <a:schemeClr val="tx1"/>
+                      </a:solidFill>
+                      <a:prstDash val="solid"/>
+                      <a:round/>
+                      <a:headEnd type="none" w="med" len="med"/>
+                      <a:tailEnd type="none" w="med" len="med"/>
+                    </a:lnB>
+                    <a:noFill/>
+                  </a:tcPr>
+                </a:tc>
+                <a:extLst>
+                  <a:ext uri="{0D108BD9-81ED-4DB2-BD59-A6C34878D82A}">
+                    <a16:rowId xmlns:a16="http://schemas.microsoft.com/office/drawing/2014/main" val="3368476335"/>
+                  </a:ext>
+                </a:extLst>
+              </a:tr>
+              <a:tr h="460874">
+                <a:tc>
+                  <a:txBody>
+                    <a:bodyPr/>
+                    <a:lstStyle/>
+                    <a:p>
+                      <a:pPr algn="l">
+                        <a:buNone/>
+                      </a:pPr>
+                      <a:r>
+                        <a:rPr lang="en-US" b="1"/>
+                        <a:t>Round-Robin Scheduling</a:t>
+                      </a:r>
+                      <a:endParaRPr lang="en-US"/>
+                    </a:p>
+                  </a:txBody>
+                  <a:tcPr anchor="ctr">
+                    <a:lnL w="12700" cap="flat" cmpd="sng" algn="ctr">
+                      <a:solidFill>
+                        <a:schemeClr val="tx1"/>
+                      </a:solidFill>
+                      <a:prstDash val="solid"/>
+                      <a:round/>
+                      <a:headEnd type="none" w="med" len="med"/>
+                      <a:tailEnd type="none" w="med" len="med"/>
+                    </a:lnL>
+                    <a:lnR w="12700" cap="flat" cmpd="sng" algn="ctr">
+                      <a:solidFill>
+                        <a:schemeClr val="tx1"/>
+                      </a:solidFill>
+                      <a:prstDash val="solid"/>
+                      <a:round/>
+                      <a:headEnd type="none" w="med" len="med"/>
+                      <a:tailEnd type="none" w="med" len="med"/>
+                    </a:lnR>
+                    <a:lnT w="12700" cap="flat" cmpd="sng" algn="ctr">
+                      <a:solidFill>
+                        <a:schemeClr val="tx1"/>
+                      </a:solidFill>
+                      <a:prstDash val="solid"/>
+                      <a:round/>
+                      <a:headEnd type="none" w="med" len="med"/>
+                      <a:tailEnd type="none" w="med" len="med"/>
+                    </a:lnT>
+                    <a:lnB w="12700" cap="flat" cmpd="sng" algn="ctr">
+                      <a:solidFill>
+                        <a:schemeClr val="tx1"/>
+                      </a:solidFill>
+                      <a:prstDash val="solid"/>
+                      <a:round/>
+                      <a:headEnd type="none" w="med" len="med"/>
+                      <a:tailEnd type="none" w="med" len="med"/>
+                    </a:lnB>
+                    <a:noFill/>
+                  </a:tcPr>
+                </a:tc>
+                <a:tc>
+                  <a:txBody>
+                    <a:bodyPr/>
+                    <a:lstStyle/>
+                    <a:p>
+                      <a:pPr algn="l">
+                        <a:buNone/>
+                      </a:pPr>
+                      <a:r>
+                        <a:rPr lang="en-US"/>
+                        <a:t>CPU Process Management</a:t>
+                      </a:r>
+                    </a:p>
+                  </a:txBody>
+                  <a:tcPr anchor="ctr">
+                    <a:lnL w="12700" cap="flat" cmpd="sng" algn="ctr">
+                      <a:solidFill>
+                        <a:schemeClr val="tx1"/>
+                      </a:solidFill>
+                      <a:prstDash val="solid"/>
+                      <a:round/>
+                      <a:headEnd type="none" w="med" len="med"/>
+                      <a:tailEnd type="none" w="med" len="med"/>
+                    </a:lnL>
+                    <a:lnR w="12700" cap="flat" cmpd="sng" algn="ctr">
+                      <a:solidFill>
+                        <a:schemeClr val="tx1"/>
+                      </a:solidFill>
+                      <a:prstDash val="solid"/>
+                      <a:round/>
+                      <a:headEnd type="none" w="med" len="med"/>
+                      <a:tailEnd type="none" w="med" len="med"/>
+                    </a:lnR>
+                    <a:lnT w="12700" cap="flat" cmpd="sng" algn="ctr">
+                      <a:solidFill>
+                        <a:schemeClr val="tx1"/>
+                      </a:solidFill>
+                      <a:prstDash val="solid"/>
+                      <a:round/>
+                      <a:headEnd type="none" w="med" len="med"/>
+                      <a:tailEnd type="none" w="med" len="med"/>
+                    </a:lnT>
+                    <a:lnB w="12700" cap="flat" cmpd="sng" algn="ctr">
+                      <a:solidFill>
+                        <a:schemeClr val="tx1"/>
+                      </a:solidFill>
+                      <a:prstDash val="solid"/>
+                      <a:round/>
+                      <a:headEnd type="none" w="med" len="med"/>
+                      <a:tailEnd type="none" w="med" len="med"/>
+                    </a:lnB>
+                    <a:noFill/>
+                  </a:tcPr>
+                </a:tc>
+                <a:tc>
+                  <a:txBody>
+                    <a:bodyPr/>
+                    <a:lstStyle/>
+                    <a:p>
+                      <a:pPr algn="l">
+                        <a:buNone/>
+                      </a:pPr>
+                      <a:r>
+                        <a:rPr lang="en-US"/>
+                        <a:t>Hər prosessə bərabər vaxt kvantı</a:t>
+                      </a:r>
+                    </a:p>
+                  </a:txBody>
+                  <a:tcPr anchor="ctr">
+                    <a:lnL w="12700" cap="flat" cmpd="sng" algn="ctr">
+                      <a:solidFill>
+                        <a:schemeClr val="tx1"/>
+                      </a:solidFill>
+                      <a:prstDash val="solid"/>
+                      <a:round/>
+                      <a:headEnd type="none" w="med" len="med"/>
+                      <a:tailEnd type="none" w="med" len="med"/>
+                    </a:lnL>
+                    <a:lnR w="12700" cap="flat" cmpd="sng" algn="ctr">
+                      <a:solidFill>
+                        <a:schemeClr val="tx1"/>
+                      </a:solidFill>
+                      <a:prstDash val="solid"/>
+                      <a:round/>
+                      <a:headEnd type="none" w="med" len="med"/>
+                      <a:tailEnd type="none" w="med" len="med"/>
+                    </a:lnR>
+                    <a:lnT w="12700" cap="flat" cmpd="sng" algn="ctr">
+                      <a:solidFill>
+                        <a:schemeClr val="tx1"/>
+                      </a:solidFill>
+                      <a:prstDash val="solid"/>
+                      <a:round/>
+                      <a:headEnd type="none" w="med" len="med"/>
+                      <a:tailEnd type="none" w="med" len="med"/>
+                    </a:lnT>
+                    <a:lnB w="12700" cap="flat" cmpd="sng" algn="ctr">
+                      <a:solidFill>
+                        <a:schemeClr val="tx1"/>
+                      </a:solidFill>
+                      <a:prstDash val="solid"/>
+                      <a:round/>
+                      <a:headEnd type="none" w="med" len="med"/>
+                      <a:tailEnd type="none" w="med" len="med"/>
+                    </a:lnB>
+                    <a:noFill/>
+                  </a:tcPr>
+                </a:tc>
+                <a:extLst>
+                  <a:ext uri="{0D108BD9-81ED-4DB2-BD59-A6C34878D82A}">
+                    <a16:rowId xmlns:a16="http://schemas.microsoft.com/office/drawing/2014/main" val="3905321033"/>
+                  </a:ext>
+                </a:extLst>
+              </a:tr>
+              <a:tr h="460874">
+                <a:tc>
+                  <a:txBody>
+                    <a:bodyPr/>
+                    <a:lstStyle/>
+                    <a:p>
+                      <a:pPr algn="l">
+                        <a:buNone/>
+                      </a:pPr>
+                      <a:r>
+                        <a:rPr lang="en-US" b="1"/>
+                        <a:t>Round-Robin Queueing</a:t>
+                      </a:r>
+                      <a:endParaRPr lang="en-US"/>
+                    </a:p>
+                  </a:txBody>
+                  <a:tcPr anchor="ctr">
+                    <a:lnL w="12700" cap="flat" cmpd="sng" algn="ctr">
+                      <a:solidFill>
+                        <a:schemeClr val="tx1"/>
+                      </a:solidFill>
+                      <a:prstDash val="solid"/>
+                      <a:round/>
+                      <a:headEnd type="none" w="med" len="med"/>
+                      <a:tailEnd type="none" w="med" len="med"/>
+                    </a:lnL>
+                    <a:lnR w="12700" cap="flat" cmpd="sng" algn="ctr">
+                      <a:solidFill>
+                        <a:schemeClr val="tx1"/>
+                      </a:solidFill>
+                      <a:prstDash val="solid"/>
+                      <a:round/>
+                      <a:headEnd type="none" w="med" len="med"/>
+                      <a:tailEnd type="none" w="med" len="med"/>
+                    </a:lnR>
+                    <a:lnT w="12700" cap="flat" cmpd="sng" algn="ctr">
+                      <a:solidFill>
+                        <a:schemeClr val="tx1"/>
+                      </a:solidFill>
+                      <a:prstDash val="solid"/>
+                      <a:round/>
+                      <a:headEnd type="none" w="med" len="med"/>
+                      <a:tailEnd type="none" w="med" len="med"/>
+                    </a:lnT>
+                    <a:lnB w="12700" cap="flat" cmpd="sng" algn="ctr">
+                      <a:solidFill>
+                        <a:schemeClr val="tx1"/>
+                      </a:solidFill>
+                      <a:prstDash val="solid"/>
+                      <a:round/>
+                      <a:headEnd type="none" w="med" len="med"/>
+                      <a:tailEnd type="none" w="med" len="med"/>
+                    </a:lnB>
+                    <a:noFill/>
+                  </a:tcPr>
+                </a:tc>
+                <a:tc>
+                  <a:txBody>
+                    <a:bodyPr/>
+                    <a:lstStyle/>
+                    <a:p>
+                      <a:pPr algn="l">
+                        <a:buNone/>
+                      </a:pPr>
+                      <a:r>
+                        <a:rPr lang="en-US"/>
+                        <a:t>Networking</a:t>
+                      </a:r>
+                    </a:p>
+                  </a:txBody>
+                  <a:tcPr anchor="ctr">
+                    <a:lnL w="12700" cap="flat" cmpd="sng" algn="ctr">
+                      <a:solidFill>
+                        <a:schemeClr val="tx1"/>
+                      </a:solidFill>
+                      <a:prstDash val="solid"/>
+                      <a:round/>
+                      <a:headEnd type="none" w="med" len="med"/>
+                      <a:tailEnd type="none" w="med" len="med"/>
+                    </a:lnL>
+                    <a:lnR w="12700" cap="flat" cmpd="sng" algn="ctr">
+                      <a:solidFill>
+                        <a:schemeClr val="tx1"/>
+                      </a:solidFill>
+                      <a:prstDash val="solid"/>
+                      <a:round/>
+                      <a:headEnd type="none" w="med" len="med"/>
+                      <a:tailEnd type="none" w="med" len="med"/>
+                    </a:lnR>
+                    <a:lnT w="12700" cap="flat" cmpd="sng" algn="ctr">
+                      <a:solidFill>
+                        <a:schemeClr val="tx1"/>
+                      </a:solidFill>
+                      <a:prstDash val="solid"/>
+                      <a:round/>
+                      <a:headEnd type="none" w="med" len="med"/>
+                      <a:tailEnd type="none" w="med" len="med"/>
+                    </a:lnT>
+                    <a:lnB w="12700" cap="flat" cmpd="sng" algn="ctr">
+                      <a:solidFill>
+                        <a:schemeClr val="tx1"/>
+                      </a:solidFill>
+                      <a:prstDash val="solid"/>
+                      <a:round/>
+                      <a:headEnd type="none" w="med" len="med"/>
+                      <a:tailEnd type="none" w="med" len="med"/>
+                    </a:lnB>
+                    <a:noFill/>
+                  </a:tcPr>
+                </a:tc>
+                <a:tc>
+                  <a:txBody>
+                    <a:bodyPr/>
+                    <a:lstStyle/>
+                    <a:p>
+                      <a:pPr algn="l">
+                        <a:buNone/>
+                      </a:pPr>
+                      <a:r>
+                        <a:rPr lang="en-US"/>
+                        <a:t>Paketlər bərabər ardıcıllıqla göndərilir</a:t>
+                      </a:r>
+                    </a:p>
+                  </a:txBody>
+                  <a:tcPr anchor="ctr">
+                    <a:lnL w="12700" cap="flat" cmpd="sng" algn="ctr">
+                      <a:solidFill>
+                        <a:schemeClr val="tx1"/>
+                      </a:solidFill>
+                      <a:prstDash val="solid"/>
+                      <a:round/>
+                      <a:headEnd type="none" w="med" len="med"/>
+                      <a:tailEnd type="none" w="med" len="med"/>
+                    </a:lnL>
+                    <a:lnR w="12700" cap="flat" cmpd="sng" algn="ctr">
+                      <a:solidFill>
+                        <a:schemeClr val="tx1"/>
+                      </a:solidFill>
+                      <a:prstDash val="solid"/>
+                      <a:round/>
+                      <a:headEnd type="none" w="med" len="med"/>
+                      <a:tailEnd type="none" w="med" len="med"/>
+                    </a:lnR>
+                    <a:lnT w="12700" cap="flat" cmpd="sng" algn="ctr">
+                      <a:solidFill>
+                        <a:schemeClr val="tx1"/>
+                      </a:solidFill>
+                      <a:prstDash val="solid"/>
+                      <a:round/>
+                      <a:headEnd type="none" w="med" len="med"/>
+                      <a:tailEnd type="none" w="med" len="med"/>
+                    </a:lnT>
+                    <a:lnB w="12700" cap="flat" cmpd="sng" algn="ctr">
+                      <a:solidFill>
+                        <a:schemeClr val="tx1"/>
+                      </a:solidFill>
+                      <a:prstDash val="solid"/>
+                      <a:round/>
+                      <a:headEnd type="none" w="med" len="med"/>
+                      <a:tailEnd type="none" w="med" len="med"/>
+                    </a:lnB>
+                    <a:noFill/>
+                  </a:tcPr>
+                </a:tc>
+                <a:extLst>
+                  <a:ext uri="{0D108BD9-81ED-4DB2-BD59-A6C34878D82A}">
+                    <a16:rowId xmlns:a16="http://schemas.microsoft.com/office/drawing/2014/main" val="1705756529"/>
+                  </a:ext>
+                </a:extLst>
+              </a:tr>
+            </a:tbl>
+          </a:graphicData>
+        </a:graphic>
+      </p:graphicFrame>
     </p:spTree>
     <p:extLst>
       <p:ext uri="{BB962C8B-B14F-4D97-AF65-F5344CB8AC3E}">
